--- a/First_workshop.pptx
+++ b/First_workshop.pptx
@@ -201,7 +201,7 @@
           <a:p>
             <a:fld id="{B59E6C24-E6A1-2146-964C-C55B797A76EF}" type="datetimeFigureOut">
               <a:rPr lang="en-US" smtClean="0"/>
-              <a:t>7/12/20</a:t>
+              <a:t>7/13/20</a:t>
             </a:fld>
             <a:endParaRPr lang="en-US"/>
           </a:p>
@@ -599,7 +599,7 @@
           <a:p>
             <a:fld id="{231104BD-B345-B647-8750-DEFC8468D1D6}" type="datetimeFigureOut">
               <a:rPr lang="en-US" smtClean="0"/>
-              <a:t>7/12/20</a:t>
+              <a:t>7/13/20</a:t>
             </a:fld>
             <a:endParaRPr lang="en-US"/>
           </a:p>
@@ -805,7 +805,7 @@
           <a:p>
             <a:fld id="{231104BD-B345-B647-8750-DEFC8468D1D6}" type="datetimeFigureOut">
               <a:rPr lang="en-US" smtClean="0"/>
-              <a:t>7/12/20</a:t>
+              <a:t>7/13/20</a:t>
             </a:fld>
             <a:endParaRPr lang="en-US"/>
           </a:p>
@@ -985,7 +985,7 @@
           <a:p>
             <a:fld id="{231104BD-B345-B647-8750-DEFC8468D1D6}" type="datetimeFigureOut">
               <a:rPr lang="en-US" smtClean="0"/>
-              <a:t>7/12/20</a:t>
+              <a:t>7/13/20</a:t>
             </a:fld>
             <a:endParaRPr lang="en-US"/>
           </a:p>
@@ -5652,7 +5652,7 @@
           <a:p>
             <a:fld id="{231104BD-B345-B647-8750-DEFC8468D1D6}" type="datetimeFigureOut">
               <a:rPr lang="en-US" smtClean="0"/>
-              <a:t>7/12/20</a:t>
+              <a:t>7/13/20</a:t>
             </a:fld>
             <a:endParaRPr lang="en-US"/>
           </a:p>
@@ -9286,7 +9286,7 @@
           <a:p>
             <a:fld id="{231104BD-B345-B647-8750-DEFC8468D1D6}" type="datetimeFigureOut">
               <a:rPr lang="en-US" smtClean="0"/>
-              <a:t>7/12/20</a:t>
+              <a:t>7/13/20</a:t>
             </a:fld>
             <a:endParaRPr lang="en-US"/>
           </a:p>
@@ -9518,7 +9518,7 @@
           <a:p>
             <a:fld id="{231104BD-B345-B647-8750-DEFC8468D1D6}" type="datetimeFigureOut">
               <a:rPr lang="en-US" smtClean="0"/>
-              <a:t>7/12/20</a:t>
+              <a:t>7/13/20</a:t>
             </a:fld>
             <a:endParaRPr lang="en-US"/>
           </a:p>
@@ -9885,7 +9885,7 @@
           <a:p>
             <a:fld id="{231104BD-B345-B647-8750-DEFC8468D1D6}" type="datetimeFigureOut">
               <a:rPr lang="en-US" smtClean="0"/>
-              <a:t>7/12/20</a:t>
+              <a:t>7/13/20</a:t>
             </a:fld>
             <a:endParaRPr lang="en-US"/>
           </a:p>
@@ -10003,7 +10003,7 @@
           <a:p>
             <a:fld id="{231104BD-B345-B647-8750-DEFC8468D1D6}" type="datetimeFigureOut">
               <a:rPr lang="en-US" smtClean="0"/>
-              <a:t>7/12/20</a:t>
+              <a:t>7/13/20</a:t>
             </a:fld>
             <a:endParaRPr lang="en-US"/>
           </a:p>
@@ -10098,7 +10098,7 @@
           <a:p>
             <a:fld id="{231104BD-B345-B647-8750-DEFC8468D1D6}" type="datetimeFigureOut">
               <a:rPr lang="en-US" smtClean="0"/>
-              <a:t>7/12/20</a:t>
+              <a:t>7/13/20</a:t>
             </a:fld>
             <a:endParaRPr lang="en-US"/>
           </a:p>
@@ -10375,7 +10375,7 @@
           <a:p>
             <a:fld id="{231104BD-B345-B647-8750-DEFC8468D1D6}" type="datetimeFigureOut">
               <a:rPr lang="en-US" smtClean="0"/>
-              <a:t>7/12/20</a:t>
+              <a:t>7/13/20</a:t>
             </a:fld>
             <a:endParaRPr lang="en-US"/>
           </a:p>
@@ -10632,7 +10632,7 @@
           <a:p>
             <a:fld id="{231104BD-B345-B647-8750-DEFC8468D1D6}" type="datetimeFigureOut">
               <a:rPr lang="en-US" smtClean="0"/>
-              <a:t>7/12/20</a:t>
+              <a:t>7/13/20</a:t>
             </a:fld>
             <a:endParaRPr lang="en-US"/>
           </a:p>
@@ -10845,7 +10845,7 @@
           <a:p>
             <a:fld id="{231104BD-B345-B647-8750-DEFC8468D1D6}" type="datetimeFigureOut">
               <a:rPr lang="en-US" smtClean="0"/>
-              <a:t>7/12/20</a:t>
+              <a:t>7/13/20</a:t>
             </a:fld>
             <a:endParaRPr lang="en-US"/>
           </a:p>
@@ -12457,6 +12457,22 @@
             <a:r>
               <a:rPr lang="en-US" altLang="zh-CN" dirty="0" err="1"/>
               <a:t>Aligraph</a:t>
+            </a:r>
+            <a:r>
+              <a:rPr lang="zh-CN" altLang="en-US" dirty="0"/>
+              <a:t>，</a:t>
+            </a:r>
+            <a:r>
+              <a:rPr lang="en-US" altLang="zh-CN" dirty="0" err="1"/>
+              <a:t>GraphVite</a:t>
+            </a:r>
+            <a:r>
+              <a:rPr lang="zh-CN" altLang="en-US" dirty="0"/>
+              <a:t>，</a:t>
+            </a:r>
+            <a:r>
+              <a:rPr lang="en-US" altLang="zh-CN" dirty="0"/>
+              <a:t>PBG</a:t>
             </a:r>
             <a:r>
               <a:rPr lang="zh-CN" altLang="en-US" dirty="0"/>

--- a/First_workshop.pptx
+++ b/First_workshop.pptx
@@ -201,7 +201,7 @@
           <a:p>
             <a:fld id="{B59E6C24-E6A1-2146-964C-C55B797A76EF}" type="datetimeFigureOut">
               <a:rPr lang="en-US" smtClean="0"/>
-              <a:t>7/13/20</a:t>
+              <a:t>7/16/20</a:t>
             </a:fld>
             <a:endParaRPr lang="en-US"/>
           </a:p>
@@ -599,7 +599,7 @@
           <a:p>
             <a:fld id="{231104BD-B345-B647-8750-DEFC8468D1D6}" type="datetimeFigureOut">
               <a:rPr lang="en-US" smtClean="0"/>
-              <a:t>7/13/20</a:t>
+              <a:t>7/16/20</a:t>
             </a:fld>
             <a:endParaRPr lang="en-US"/>
           </a:p>
@@ -805,7 +805,7 @@
           <a:p>
             <a:fld id="{231104BD-B345-B647-8750-DEFC8468D1D6}" type="datetimeFigureOut">
               <a:rPr lang="en-US" smtClean="0"/>
-              <a:t>7/13/20</a:t>
+              <a:t>7/16/20</a:t>
             </a:fld>
             <a:endParaRPr lang="en-US"/>
           </a:p>
@@ -985,7 +985,7 @@
           <a:p>
             <a:fld id="{231104BD-B345-B647-8750-DEFC8468D1D6}" type="datetimeFigureOut">
               <a:rPr lang="en-US" smtClean="0"/>
-              <a:t>7/13/20</a:t>
+              <a:t>7/16/20</a:t>
             </a:fld>
             <a:endParaRPr lang="en-US"/>
           </a:p>
@@ -5652,7 +5652,7 @@
           <a:p>
             <a:fld id="{231104BD-B345-B647-8750-DEFC8468D1D6}" type="datetimeFigureOut">
               <a:rPr lang="en-US" smtClean="0"/>
-              <a:t>7/13/20</a:t>
+              <a:t>7/16/20</a:t>
             </a:fld>
             <a:endParaRPr lang="en-US"/>
           </a:p>
@@ -9286,7 +9286,7 @@
           <a:p>
             <a:fld id="{231104BD-B345-B647-8750-DEFC8468D1D6}" type="datetimeFigureOut">
               <a:rPr lang="en-US" smtClean="0"/>
-              <a:t>7/13/20</a:t>
+              <a:t>7/16/20</a:t>
             </a:fld>
             <a:endParaRPr lang="en-US"/>
           </a:p>
@@ -9518,7 +9518,7 @@
           <a:p>
             <a:fld id="{231104BD-B345-B647-8750-DEFC8468D1D6}" type="datetimeFigureOut">
               <a:rPr lang="en-US" smtClean="0"/>
-              <a:t>7/13/20</a:t>
+              <a:t>7/16/20</a:t>
             </a:fld>
             <a:endParaRPr lang="en-US"/>
           </a:p>
@@ -9885,7 +9885,7 @@
           <a:p>
             <a:fld id="{231104BD-B345-B647-8750-DEFC8468D1D6}" type="datetimeFigureOut">
               <a:rPr lang="en-US" smtClean="0"/>
-              <a:t>7/13/20</a:t>
+              <a:t>7/16/20</a:t>
             </a:fld>
             <a:endParaRPr lang="en-US"/>
           </a:p>
@@ -10003,7 +10003,7 @@
           <a:p>
             <a:fld id="{231104BD-B345-B647-8750-DEFC8468D1D6}" type="datetimeFigureOut">
               <a:rPr lang="en-US" smtClean="0"/>
-              <a:t>7/13/20</a:t>
+              <a:t>7/16/20</a:t>
             </a:fld>
             <a:endParaRPr lang="en-US"/>
           </a:p>
@@ -10098,7 +10098,7 @@
           <a:p>
             <a:fld id="{231104BD-B345-B647-8750-DEFC8468D1D6}" type="datetimeFigureOut">
               <a:rPr lang="en-US" smtClean="0"/>
-              <a:t>7/13/20</a:t>
+              <a:t>7/16/20</a:t>
             </a:fld>
             <a:endParaRPr lang="en-US"/>
           </a:p>
@@ -10375,7 +10375,7 @@
           <a:p>
             <a:fld id="{231104BD-B345-B647-8750-DEFC8468D1D6}" type="datetimeFigureOut">
               <a:rPr lang="en-US" smtClean="0"/>
-              <a:t>7/13/20</a:t>
+              <a:t>7/16/20</a:t>
             </a:fld>
             <a:endParaRPr lang="en-US"/>
           </a:p>
@@ -10632,7 +10632,7 @@
           <a:p>
             <a:fld id="{231104BD-B345-B647-8750-DEFC8468D1D6}" type="datetimeFigureOut">
               <a:rPr lang="en-US" smtClean="0"/>
-              <a:t>7/13/20</a:t>
+              <a:t>7/16/20</a:t>
             </a:fld>
             <a:endParaRPr lang="en-US"/>
           </a:p>
@@ -10845,7 +10845,7 @@
           <a:p>
             <a:fld id="{231104BD-B345-B647-8750-DEFC8468D1D6}" type="datetimeFigureOut">
               <a:rPr lang="en-US" smtClean="0"/>
-              <a:t>7/13/20</a:t>
+              <a:t>7/16/20</a:t>
             </a:fld>
             <a:endParaRPr lang="en-US"/>
           </a:p>
@@ -12073,13 +12073,8 @@
             </a:r>
             <a:r>
               <a:rPr lang="en-US" altLang="zh-CN" dirty="0"/>
-              <a:t>, matplotlib, </a:t>
-            </a:r>
-            <a:r>
-              <a:rPr lang="en-US" altLang="zh-CN" dirty="0" err="1"/>
-              <a:t>scipy</a:t>
-            </a:r>
-            <a:endParaRPr lang="en-US" altLang="zh-CN" dirty="0"/>
+              <a:t>,</a:t>
+            </a:r>
           </a:p>
           <a:p>
             <a:pPr lvl="1"/>
@@ -12098,22 +12093,6 @@
             <a:r>
               <a:rPr lang="en-US" altLang="zh-CN" dirty="0"/>
               <a:t>v1.2.0+</a:t>
-            </a:r>
-            <a:r>
-              <a:rPr lang="zh-CN" altLang="en-US" dirty="0"/>
-              <a:t>，或者最新的</a:t>
-            </a:r>
-            <a:r>
-              <a:rPr lang="en-US" altLang="zh-CN" dirty="0"/>
-              <a:t>TensorFlow</a:t>
-            </a:r>
-            <a:r>
-              <a:rPr lang="zh-CN" altLang="en-US" dirty="0"/>
-              <a:t> </a:t>
-            </a:r>
-            <a:r>
-              <a:rPr lang="en-US" altLang="zh-CN" dirty="0"/>
-              <a:t>v2.1+</a:t>
             </a:r>
           </a:p>
           <a:p>
@@ -12164,6 +12143,34 @@
               <a:rPr lang="zh-CN" altLang="en-US" dirty="0"/>
               <a:t>的模型构建和训练</a:t>
             </a:r>
+            <a:endParaRPr lang="en-US" altLang="zh-CN" dirty="0"/>
+          </a:p>
+          <a:p>
+            <a:pPr marL="126997" indent="0">
+              <a:buNone/>
+            </a:pPr>
+            <a:r>
+              <a:rPr lang="zh-CN" altLang="en-US" dirty="0"/>
+              <a:t>内容链接：</a:t>
+            </a:r>
+            <a:endParaRPr lang="en-US" altLang="zh-CN" dirty="0"/>
+          </a:p>
+          <a:p>
+            <a:pPr marL="761981" lvl="1" indent="0">
+              <a:buNone/>
+            </a:pPr>
+            <a:r>
+              <a:rPr lang="en-US" altLang="zh-CN" dirty="0">
+                <a:hlinkClick r:id="rId2"/>
+              </a:rPr>
+              <a:t>https://github.com/zhjwy9343/DGL-workshop-for-customers</a:t>
+            </a:r>
+            <a:endParaRPr lang="en-US" altLang="zh-CN" dirty="0"/>
+          </a:p>
+          <a:p>
+            <a:pPr marL="761981" lvl="1" indent="0">
+              <a:buNone/>
+            </a:pPr>
             <a:endParaRPr lang="en-US" altLang="zh-CN" dirty="0"/>
           </a:p>
         </p:txBody>
@@ -12504,7 +12511,7 @@
           <a:p>
             <a:r>
               <a:rPr lang="zh-CN" altLang="en-US" dirty="0"/>
-              <a:t>常用的深度学习框架是？</a:t>
+              <a:t>贵司常用的深度学习框架是？</a:t>
             </a:r>
             <a:endParaRPr lang="en-CN" dirty="0"/>
           </a:p>
@@ -12553,6 +12560,345 @@
   <p:clrMapOvr>
     <a:masterClrMapping/>
   </p:clrMapOvr>
+  <p:timing>
+    <p:tnLst>
+      <p:par>
+        <p:cTn id="1" dur="indefinite" restart="never" nodeType="tmRoot">
+          <p:childTnLst>
+            <p:seq concurrent="1" nextAc="seek">
+              <p:cTn id="2" dur="indefinite" nodeType="mainSeq">
+                <p:childTnLst>
+                  <p:par>
+                    <p:cTn id="3" fill="hold">
+                      <p:stCondLst>
+                        <p:cond delay="indefinite"/>
+                      </p:stCondLst>
+                      <p:childTnLst>
+                        <p:par>
+                          <p:cTn id="4" fill="hold">
+                            <p:stCondLst>
+                              <p:cond delay="0"/>
+                            </p:stCondLst>
+                            <p:childTnLst>
+                              <p:par>
+                                <p:cTn id="5" presetID="2" presetClass="entr" presetSubtype="4" fill="hold" nodeType="clickEffect">
+                                  <p:stCondLst>
+                                    <p:cond delay="0"/>
+                                  </p:stCondLst>
+                                  <p:childTnLst>
+                                    <p:set>
+                                      <p:cBhvr>
+                                        <p:cTn id="6" dur="1" fill="hold">
+                                          <p:stCondLst>
+                                            <p:cond delay="0"/>
+                                          </p:stCondLst>
+                                        </p:cTn>
+                                        <p:tgtEl>
+                                          <p:spTgt spid="2">
+                                            <p:txEl>
+                                              <p:pRg st="2" end="2"/>
+                                            </p:txEl>
+                                          </p:spTgt>
+                                        </p:tgtEl>
+                                        <p:attrNameLst>
+                                          <p:attrName>style.visibility</p:attrName>
+                                        </p:attrNameLst>
+                                      </p:cBhvr>
+                                      <p:to>
+                                        <p:strVal val="visible"/>
+                                      </p:to>
+                                    </p:set>
+                                    <p:anim calcmode="lin" valueType="num">
+                                      <p:cBhvr additive="base">
+                                        <p:cTn id="7" dur="500" fill="hold"/>
+                                        <p:tgtEl>
+                                          <p:spTgt spid="2">
+                                            <p:txEl>
+                                              <p:pRg st="2" end="2"/>
+                                            </p:txEl>
+                                          </p:spTgt>
+                                        </p:tgtEl>
+                                        <p:attrNameLst>
+                                          <p:attrName>ppt_x</p:attrName>
+                                        </p:attrNameLst>
+                                      </p:cBhvr>
+                                      <p:tavLst>
+                                        <p:tav tm="0">
+                                          <p:val>
+                                            <p:strVal val="#ppt_x"/>
+                                          </p:val>
+                                        </p:tav>
+                                        <p:tav tm="100000">
+                                          <p:val>
+                                            <p:strVal val="#ppt_x"/>
+                                          </p:val>
+                                        </p:tav>
+                                      </p:tavLst>
+                                    </p:anim>
+                                    <p:anim calcmode="lin" valueType="num">
+                                      <p:cBhvr additive="base">
+                                        <p:cTn id="8" dur="500" fill="hold"/>
+                                        <p:tgtEl>
+                                          <p:spTgt spid="2">
+                                            <p:txEl>
+                                              <p:pRg st="2" end="2"/>
+                                            </p:txEl>
+                                          </p:spTgt>
+                                        </p:tgtEl>
+                                        <p:attrNameLst>
+                                          <p:attrName>ppt_y</p:attrName>
+                                        </p:attrNameLst>
+                                      </p:cBhvr>
+                                      <p:tavLst>
+                                        <p:tav tm="0">
+                                          <p:val>
+                                            <p:strVal val="1+#ppt_h/2"/>
+                                          </p:val>
+                                        </p:tav>
+                                        <p:tav tm="100000">
+                                          <p:val>
+                                            <p:strVal val="#ppt_y"/>
+                                          </p:val>
+                                        </p:tav>
+                                      </p:tavLst>
+                                    </p:anim>
+                                  </p:childTnLst>
+                                </p:cTn>
+                              </p:par>
+                            </p:childTnLst>
+                          </p:cTn>
+                        </p:par>
+                      </p:childTnLst>
+                    </p:cTn>
+                  </p:par>
+                  <p:par>
+                    <p:cTn id="9" fill="hold">
+                      <p:stCondLst>
+                        <p:cond delay="indefinite"/>
+                      </p:stCondLst>
+                      <p:childTnLst>
+                        <p:par>
+                          <p:cTn id="10" fill="hold">
+                            <p:stCondLst>
+                              <p:cond delay="0"/>
+                            </p:stCondLst>
+                            <p:childTnLst>
+                              <p:par>
+                                <p:cTn id="11" presetID="2" presetClass="entr" presetSubtype="4" fill="hold" nodeType="clickEffect">
+                                  <p:stCondLst>
+                                    <p:cond delay="0"/>
+                                  </p:stCondLst>
+                                  <p:childTnLst>
+                                    <p:set>
+                                      <p:cBhvr>
+                                        <p:cTn id="12" dur="1" fill="hold">
+                                          <p:stCondLst>
+                                            <p:cond delay="0"/>
+                                          </p:stCondLst>
+                                        </p:cTn>
+                                        <p:tgtEl>
+                                          <p:spTgt spid="2">
+                                            <p:txEl>
+                                              <p:pRg st="4" end="4"/>
+                                            </p:txEl>
+                                          </p:spTgt>
+                                        </p:tgtEl>
+                                        <p:attrNameLst>
+                                          <p:attrName>style.visibility</p:attrName>
+                                        </p:attrNameLst>
+                                      </p:cBhvr>
+                                      <p:to>
+                                        <p:strVal val="visible"/>
+                                      </p:to>
+                                    </p:set>
+                                    <p:anim calcmode="lin" valueType="num">
+                                      <p:cBhvr additive="base">
+                                        <p:cTn id="13" dur="500" fill="hold"/>
+                                        <p:tgtEl>
+                                          <p:spTgt spid="2">
+                                            <p:txEl>
+                                              <p:pRg st="4" end="4"/>
+                                            </p:txEl>
+                                          </p:spTgt>
+                                        </p:tgtEl>
+                                        <p:attrNameLst>
+                                          <p:attrName>ppt_x</p:attrName>
+                                        </p:attrNameLst>
+                                      </p:cBhvr>
+                                      <p:tavLst>
+                                        <p:tav tm="0">
+                                          <p:val>
+                                            <p:strVal val="#ppt_x"/>
+                                          </p:val>
+                                        </p:tav>
+                                        <p:tav tm="100000">
+                                          <p:val>
+                                            <p:strVal val="#ppt_x"/>
+                                          </p:val>
+                                        </p:tav>
+                                      </p:tavLst>
+                                    </p:anim>
+                                    <p:anim calcmode="lin" valueType="num">
+                                      <p:cBhvr additive="base">
+                                        <p:cTn id="14" dur="500" fill="hold"/>
+                                        <p:tgtEl>
+                                          <p:spTgt spid="2">
+                                            <p:txEl>
+                                              <p:pRg st="4" end="4"/>
+                                            </p:txEl>
+                                          </p:spTgt>
+                                        </p:tgtEl>
+                                        <p:attrNameLst>
+                                          <p:attrName>ppt_y</p:attrName>
+                                        </p:attrNameLst>
+                                      </p:cBhvr>
+                                      <p:tavLst>
+                                        <p:tav tm="0">
+                                          <p:val>
+                                            <p:strVal val="1+#ppt_h/2"/>
+                                          </p:val>
+                                        </p:tav>
+                                        <p:tav tm="100000">
+                                          <p:val>
+                                            <p:strVal val="#ppt_y"/>
+                                          </p:val>
+                                        </p:tav>
+                                      </p:tavLst>
+                                    </p:anim>
+                                  </p:childTnLst>
+                                </p:cTn>
+                              </p:par>
+                            </p:childTnLst>
+                          </p:cTn>
+                        </p:par>
+                      </p:childTnLst>
+                    </p:cTn>
+                  </p:par>
+                  <p:par>
+                    <p:cTn id="15" fill="hold">
+                      <p:stCondLst>
+                        <p:cond delay="indefinite"/>
+                      </p:stCondLst>
+                      <p:childTnLst>
+                        <p:par>
+                          <p:cTn id="16" fill="hold">
+                            <p:stCondLst>
+                              <p:cond delay="0"/>
+                            </p:stCondLst>
+                            <p:childTnLst>
+                              <p:par>
+                                <p:cTn id="17" presetID="2" presetClass="entr" presetSubtype="4" fill="hold" nodeType="clickEffect">
+                                  <p:stCondLst>
+                                    <p:cond delay="0"/>
+                                  </p:stCondLst>
+                                  <p:childTnLst>
+                                    <p:set>
+                                      <p:cBhvr>
+                                        <p:cTn id="18" dur="1" fill="hold">
+                                          <p:stCondLst>
+                                            <p:cond delay="0"/>
+                                          </p:stCondLst>
+                                        </p:cTn>
+                                        <p:tgtEl>
+                                          <p:spTgt spid="2">
+                                            <p:txEl>
+                                              <p:pRg st="6" end="6"/>
+                                            </p:txEl>
+                                          </p:spTgt>
+                                        </p:tgtEl>
+                                        <p:attrNameLst>
+                                          <p:attrName>style.visibility</p:attrName>
+                                        </p:attrNameLst>
+                                      </p:cBhvr>
+                                      <p:to>
+                                        <p:strVal val="visible"/>
+                                      </p:to>
+                                    </p:set>
+                                    <p:anim calcmode="lin" valueType="num">
+                                      <p:cBhvr additive="base">
+                                        <p:cTn id="19" dur="500" fill="hold"/>
+                                        <p:tgtEl>
+                                          <p:spTgt spid="2">
+                                            <p:txEl>
+                                              <p:pRg st="6" end="6"/>
+                                            </p:txEl>
+                                          </p:spTgt>
+                                        </p:tgtEl>
+                                        <p:attrNameLst>
+                                          <p:attrName>ppt_x</p:attrName>
+                                        </p:attrNameLst>
+                                      </p:cBhvr>
+                                      <p:tavLst>
+                                        <p:tav tm="0">
+                                          <p:val>
+                                            <p:strVal val="#ppt_x"/>
+                                          </p:val>
+                                        </p:tav>
+                                        <p:tav tm="100000">
+                                          <p:val>
+                                            <p:strVal val="#ppt_x"/>
+                                          </p:val>
+                                        </p:tav>
+                                      </p:tavLst>
+                                    </p:anim>
+                                    <p:anim calcmode="lin" valueType="num">
+                                      <p:cBhvr additive="base">
+                                        <p:cTn id="20" dur="500" fill="hold"/>
+                                        <p:tgtEl>
+                                          <p:spTgt spid="2">
+                                            <p:txEl>
+                                              <p:pRg st="6" end="6"/>
+                                            </p:txEl>
+                                          </p:spTgt>
+                                        </p:tgtEl>
+                                        <p:attrNameLst>
+                                          <p:attrName>ppt_y</p:attrName>
+                                        </p:attrNameLst>
+                                      </p:cBhvr>
+                                      <p:tavLst>
+                                        <p:tav tm="0">
+                                          <p:val>
+                                            <p:strVal val="1+#ppt_h/2"/>
+                                          </p:val>
+                                        </p:tav>
+                                        <p:tav tm="100000">
+                                          <p:val>
+                                            <p:strVal val="#ppt_y"/>
+                                          </p:val>
+                                        </p:tav>
+                                      </p:tavLst>
+                                    </p:anim>
+                                  </p:childTnLst>
+                                </p:cTn>
+                              </p:par>
+                            </p:childTnLst>
+                          </p:cTn>
+                        </p:par>
+                      </p:childTnLst>
+                    </p:cTn>
+                  </p:par>
+                </p:childTnLst>
+              </p:cTn>
+              <p:prevCondLst>
+                <p:cond evt="onPrev" delay="0">
+                  <p:tgtEl>
+                    <p:sldTgt/>
+                  </p:tgtEl>
+                </p:cond>
+              </p:prevCondLst>
+              <p:nextCondLst>
+                <p:cond evt="onNext" delay="0">
+                  <p:tgtEl>
+                    <p:sldTgt/>
+                  </p:tgtEl>
+                </p:cond>
+              </p:nextCondLst>
+            </p:seq>
+          </p:childTnLst>
+        </p:cTn>
+      </p:par>
+    </p:tnLst>
+  </p:timing>
 </p:sld>
 </file>
 
